--- a/3.1_Boosting_Algo_ML_Insurance_Chrg_Pred_Project/3_XGBoost Algorithm.pptx
+++ b/3.1_Boosting_Algo_ML_Insurance_Chrg_Pred_Project/3_XGBoost Algorithm.pptx
@@ -11,7 +11,8 @@
     <p:sldId id="259" r:id="rId5"/>
     <p:sldId id="260" r:id="rId6"/>
     <p:sldId id="261" r:id="rId7"/>
-    <p:sldId id="262" r:id="rId8"/>
+    <p:sldId id="263" r:id="rId8"/>
+    <p:sldId id="262" r:id="rId9"/>
   </p:sldIdLst>
   <p:sldSz cx="12192000" cy="6858000"/>
   <p:notesSz cx="6858000" cy="9144000"/>
@@ -110,7 +111,145 @@
       </a:defRPr>
     </a:lvl9pPr>
   </p:defaultTextStyle>
+  <p:extLst>
+    <p:ext uri="{EFAFB233-063F-42B5-8137-9DF3F51BA10A}">
+      <p15:sldGuideLst xmlns:p15="http://schemas.microsoft.com/office/powerpoint/2012/main"/>
+    </p:ext>
+  </p:extLst>
 </p:presentation>
+</file>
+
+<file path=ppt/revisionInfo.xml><?xml version="1.0" encoding="utf-8"?>
+<p1510:revInfo xmlns:a="http://schemas.openxmlformats.org/drawingml/2006/main" xmlns:r="http://schemas.openxmlformats.org/officeDocument/2006/relationships" xmlns:p1510="http://schemas.microsoft.com/office/powerpoint/2015/10/main">
+  <p1510:revLst>
+    <p1510:client id="{72FB91B6-A9E6-48A1-9961-312E39A4CE62}" v="1" dt="2024-06-22T12:13:21.832"/>
+  </p1510:revLst>
+</p1510:revInfo>
+</file>
+
+<file path=ppt/changesInfos/changesInfo1.xml><?xml version="1.0" encoding="utf-8"?>
+<pc:chgInfo xmlns:a="http://schemas.openxmlformats.org/drawingml/2006/main" xmlns:r="http://schemas.openxmlformats.org/officeDocument/2006/relationships" xmlns:ac="http://schemas.microsoft.com/office/drawing/2013/main/command" xmlns:pc="http://schemas.microsoft.com/office/powerpoint/2013/main/command">
+  <pc:docChgLst>
+    <pc:chgData name="Bakthavatchalam, Sharath Kumar" userId="5a80369b-62d2-4430-ac50-9bc726ab27fe" providerId="ADAL" clId="{72FB91B6-A9E6-48A1-9961-312E39A4CE62}"/>
+    <pc:docChg chg="undo custSel addSld modSld">
+      <pc:chgData name="Bakthavatchalam, Sharath Kumar" userId="5a80369b-62d2-4430-ac50-9bc726ab27fe" providerId="ADAL" clId="{72FB91B6-A9E6-48A1-9961-312E39A4CE62}" dt="2024-06-22T12:14:36.833" v="35" actId="26606"/>
+      <pc:docMkLst>
+        <pc:docMk/>
+      </pc:docMkLst>
+      <pc:sldChg chg="addSp delSp modSp new mod setBg addAnim delAnim">
+        <pc:chgData name="Bakthavatchalam, Sharath Kumar" userId="5a80369b-62d2-4430-ac50-9bc726ab27fe" providerId="ADAL" clId="{72FB91B6-A9E6-48A1-9961-312E39A4CE62}" dt="2024-06-22T12:14:36.833" v="35" actId="26606"/>
+        <pc:sldMkLst>
+          <pc:docMk/>
+          <pc:sldMk cId="2289204378" sldId="263"/>
+        </pc:sldMkLst>
+        <pc:spChg chg="mod ord">
+          <ac:chgData name="Bakthavatchalam, Sharath Kumar" userId="5a80369b-62d2-4430-ac50-9bc726ab27fe" providerId="ADAL" clId="{72FB91B6-A9E6-48A1-9961-312E39A4CE62}" dt="2024-06-22T12:14:36.833" v="35" actId="26606"/>
+          <ac:spMkLst>
+            <pc:docMk/>
+            <pc:sldMk cId="2289204378" sldId="263"/>
+            <ac:spMk id="2" creationId="{6994AC9E-C150-E5B7-7157-DEB8AA24714B}"/>
+          </ac:spMkLst>
+        </pc:spChg>
+        <pc:spChg chg="del">
+          <ac:chgData name="Bakthavatchalam, Sharath Kumar" userId="5a80369b-62d2-4430-ac50-9bc726ab27fe" providerId="ADAL" clId="{72FB91B6-A9E6-48A1-9961-312E39A4CE62}" dt="2024-06-22T12:13:21.832" v="22" actId="931"/>
+          <ac:spMkLst>
+            <pc:docMk/>
+            <pc:sldMk cId="2289204378" sldId="263"/>
+            <ac:spMk id="3" creationId="{D10050E1-B618-3C2C-4159-E14589DA947F}"/>
+          </ac:spMkLst>
+        </pc:spChg>
+        <pc:spChg chg="add del">
+          <ac:chgData name="Bakthavatchalam, Sharath Kumar" userId="5a80369b-62d2-4430-ac50-9bc726ab27fe" providerId="ADAL" clId="{72FB91B6-A9E6-48A1-9961-312E39A4CE62}" dt="2024-06-22T12:14:11.657" v="27" actId="478"/>
+          <ac:spMkLst>
+            <pc:docMk/>
+            <pc:sldMk cId="2289204378" sldId="263"/>
+            <ac:spMk id="9" creationId="{ED3B90EF-DC3A-0B63-BEE7-AF726F6240A2}"/>
+          </ac:spMkLst>
+        </pc:spChg>
+        <pc:spChg chg="add del">
+          <ac:chgData name="Bakthavatchalam, Sharath Kumar" userId="5a80369b-62d2-4430-ac50-9bc726ab27fe" providerId="ADAL" clId="{72FB91B6-A9E6-48A1-9961-312E39A4CE62}" dt="2024-06-22T12:14:36.833" v="35" actId="26606"/>
+          <ac:spMkLst>
+            <pc:docMk/>
+            <pc:sldMk cId="2289204378" sldId="263"/>
+            <ac:spMk id="12" creationId="{2C61293E-6EBE-43EF-A52C-9BEBFD7679D4}"/>
+          </ac:spMkLst>
+        </pc:spChg>
+        <pc:spChg chg="add del">
+          <ac:chgData name="Bakthavatchalam, Sharath Kumar" userId="5a80369b-62d2-4430-ac50-9bc726ab27fe" providerId="ADAL" clId="{72FB91B6-A9E6-48A1-9961-312E39A4CE62}" dt="2024-06-22T12:14:36.833" v="35" actId="26606"/>
+          <ac:spMkLst>
+            <pc:docMk/>
+            <pc:sldMk cId="2289204378" sldId="263"/>
+            <ac:spMk id="14" creationId="{21540236-BFD5-4A9D-8840-4703E7F76825}"/>
+          </ac:spMkLst>
+        </pc:spChg>
+        <pc:spChg chg="add del">
+          <ac:chgData name="Bakthavatchalam, Sharath Kumar" userId="5a80369b-62d2-4430-ac50-9bc726ab27fe" providerId="ADAL" clId="{72FB91B6-A9E6-48A1-9961-312E39A4CE62}" dt="2024-06-22T12:14:20.142" v="30" actId="26606"/>
+          <ac:spMkLst>
+            <pc:docMk/>
+            <pc:sldMk cId="2289204378" sldId="263"/>
+            <ac:spMk id="19" creationId="{06DA9DF9-31F7-4056-B42E-878CC92417B8}"/>
+          </ac:spMkLst>
+        </pc:spChg>
+        <pc:spChg chg="add del">
+          <ac:chgData name="Bakthavatchalam, Sharath Kumar" userId="5a80369b-62d2-4430-ac50-9bc726ab27fe" providerId="ADAL" clId="{72FB91B6-A9E6-48A1-9961-312E39A4CE62}" dt="2024-06-22T12:14:28.251" v="32" actId="26606"/>
+          <ac:spMkLst>
+            <pc:docMk/>
+            <pc:sldMk cId="2289204378" sldId="263"/>
+            <ac:spMk id="21" creationId="{007891EC-4501-44ED-A8C8-B11B6DB767AB}"/>
+          </ac:spMkLst>
+        </pc:spChg>
+        <pc:spChg chg="add del">
+          <ac:chgData name="Bakthavatchalam, Sharath Kumar" userId="5a80369b-62d2-4430-ac50-9bc726ab27fe" providerId="ADAL" clId="{72FB91B6-A9E6-48A1-9961-312E39A4CE62}" dt="2024-06-22T12:14:28.251" v="32" actId="26606"/>
+          <ac:spMkLst>
+            <pc:docMk/>
+            <pc:sldMk cId="2289204378" sldId="263"/>
+            <ac:spMk id="22" creationId="{C1DD1A8A-57D5-4A81-AD04-532B043C5611}"/>
+          </ac:spMkLst>
+        </pc:spChg>
+        <pc:spChg chg="add del">
+          <ac:chgData name="Bakthavatchalam, Sharath Kumar" userId="5a80369b-62d2-4430-ac50-9bc726ab27fe" providerId="ADAL" clId="{72FB91B6-A9E6-48A1-9961-312E39A4CE62}" dt="2024-06-22T12:14:36.821" v="34" actId="26606"/>
+          <ac:spMkLst>
+            <pc:docMk/>
+            <pc:sldMk cId="2289204378" sldId="263"/>
+            <ac:spMk id="24" creationId="{6753252F-4873-4F63-801D-CC719279A7D5}"/>
+          </ac:spMkLst>
+        </pc:spChg>
+        <pc:spChg chg="add del">
+          <ac:chgData name="Bakthavatchalam, Sharath Kumar" userId="5a80369b-62d2-4430-ac50-9bc726ab27fe" providerId="ADAL" clId="{72FB91B6-A9E6-48A1-9961-312E39A4CE62}" dt="2024-06-22T12:14:36.821" v="34" actId="26606"/>
+          <ac:spMkLst>
+            <pc:docMk/>
+            <pc:sldMk cId="2289204378" sldId="263"/>
+            <ac:spMk id="25" creationId="{047C8CCB-F95D-4249-92DD-651249D3535A}"/>
+          </ac:spMkLst>
+        </pc:spChg>
+        <pc:spChg chg="add">
+          <ac:chgData name="Bakthavatchalam, Sharath Kumar" userId="5a80369b-62d2-4430-ac50-9bc726ab27fe" providerId="ADAL" clId="{72FB91B6-A9E6-48A1-9961-312E39A4CE62}" dt="2024-06-22T12:14:36.833" v="35" actId="26606"/>
+          <ac:spMkLst>
+            <pc:docMk/>
+            <pc:sldMk cId="2289204378" sldId="263"/>
+            <ac:spMk id="27" creationId="{337940BB-FBC4-492E-BD92-3B7B914D0EAE}"/>
+          </ac:spMkLst>
+        </pc:spChg>
+        <pc:spChg chg="add">
+          <ac:chgData name="Bakthavatchalam, Sharath Kumar" userId="5a80369b-62d2-4430-ac50-9bc726ab27fe" providerId="ADAL" clId="{72FB91B6-A9E6-48A1-9961-312E39A4CE62}" dt="2024-06-22T12:14:36.833" v="35" actId="26606"/>
+          <ac:spMkLst>
+            <pc:docMk/>
+            <pc:sldMk cId="2289204378" sldId="263"/>
+            <ac:spMk id="28" creationId="{3FCFB1DE-0B7E-48CC-BA90-B2AB0889F9D6}"/>
+          </ac:spMkLst>
+        </pc:spChg>
+        <pc:picChg chg="add mod">
+          <ac:chgData name="Bakthavatchalam, Sharath Kumar" userId="5a80369b-62d2-4430-ac50-9bc726ab27fe" providerId="ADAL" clId="{72FB91B6-A9E6-48A1-9961-312E39A4CE62}" dt="2024-06-22T12:14:36.833" v="35" actId="26606"/>
+          <ac:picMkLst>
+            <pc:docMk/>
+            <pc:sldMk cId="2289204378" sldId="263"/>
+            <ac:picMk id="5" creationId="{5185A470-B59D-E401-F5D5-AF69585614E8}"/>
+          </ac:picMkLst>
+        </pc:picChg>
+      </pc:sldChg>
+    </pc:docChg>
+  </pc:docChgLst>
+</pc:chgInfo>
 </file>
 
 <file path=ppt/diagrams/colors1.xml><?xml version="1.0" encoding="utf-8"?>
@@ -17039,7 +17178,7 @@
           <a:p>
             <a:fld id="{58E450A9-F999-4FFE-9C0D-17DC9418E6C5}" type="datetimeFigureOut">
               <a:rPr lang="en-US" smtClean="0"/>
-              <a:t>6/20/2024</a:t>
+              <a:t>6/22/2024</a:t>
             </a:fld>
             <a:endParaRPr lang="en-US"/>
           </a:p>
@@ -17237,7 +17376,7 @@
           <a:p>
             <a:fld id="{58E450A9-F999-4FFE-9C0D-17DC9418E6C5}" type="datetimeFigureOut">
               <a:rPr lang="en-US" smtClean="0"/>
-              <a:t>6/20/2024</a:t>
+              <a:t>6/22/2024</a:t>
             </a:fld>
             <a:endParaRPr lang="en-US"/>
           </a:p>
@@ -17445,7 +17584,7 @@
           <a:p>
             <a:fld id="{58E450A9-F999-4FFE-9C0D-17DC9418E6C5}" type="datetimeFigureOut">
               <a:rPr lang="en-US" smtClean="0"/>
-              <a:t>6/20/2024</a:t>
+              <a:t>6/22/2024</a:t>
             </a:fld>
             <a:endParaRPr lang="en-US"/>
           </a:p>
@@ -17643,7 +17782,7 @@
           <a:p>
             <a:fld id="{58E450A9-F999-4FFE-9C0D-17DC9418E6C5}" type="datetimeFigureOut">
               <a:rPr lang="en-US" smtClean="0"/>
-              <a:t>6/20/2024</a:t>
+              <a:t>6/22/2024</a:t>
             </a:fld>
             <a:endParaRPr lang="en-US"/>
           </a:p>
@@ -17918,7 +18057,7 @@
           <a:p>
             <a:fld id="{58E450A9-F999-4FFE-9C0D-17DC9418E6C5}" type="datetimeFigureOut">
               <a:rPr lang="en-US" smtClean="0"/>
-              <a:t>6/20/2024</a:t>
+              <a:t>6/22/2024</a:t>
             </a:fld>
             <a:endParaRPr lang="en-US"/>
           </a:p>
@@ -18183,7 +18322,7 @@
           <a:p>
             <a:fld id="{58E450A9-F999-4FFE-9C0D-17DC9418E6C5}" type="datetimeFigureOut">
               <a:rPr lang="en-US" smtClean="0"/>
-              <a:t>6/20/2024</a:t>
+              <a:t>6/22/2024</a:t>
             </a:fld>
             <a:endParaRPr lang="en-US"/>
           </a:p>
@@ -18595,7 +18734,7 @@
           <a:p>
             <a:fld id="{58E450A9-F999-4FFE-9C0D-17DC9418E6C5}" type="datetimeFigureOut">
               <a:rPr lang="en-US" smtClean="0"/>
-              <a:t>6/20/2024</a:t>
+              <a:t>6/22/2024</a:t>
             </a:fld>
             <a:endParaRPr lang="en-US"/>
           </a:p>
@@ -18736,7 +18875,7 @@
           <a:p>
             <a:fld id="{58E450A9-F999-4FFE-9C0D-17DC9418E6C5}" type="datetimeFigureOut">
               <a:rPr lang="en-US" smtClean="0"/>
-              <a:t>6/20/2024</a:t>
+              <a:t>6/22/2024</a:t>
             </a:fld>
             <a:endParaRPr lang="en-US"/>
           </a:p>
@@ -18849,7 +18988,7 @@
           <a:p>
             <a:fld id="{58E450A9-F999-4FFE-9C0D-17DC9418E6C5}" type="datetimeFigureOut">
               <a:rPr lang="en-US" smtClean="0"/>
-              <a:t>6/20/2024</a:t>
+              <a:t>6/22/2024</a:t>
             </a:fld>
             <a:endParaRPr lang="en-US"/>
           </a:p>
@@ -19160,7 +19299,7 @@
           <a:p>
             <a:fld id="{58E450A9-F999-4FFE-9C0D-17DC9418E6C5}" type="datetimeFigureOut">
               <a:rPr lang="en-US" smtClean="0"/>
-              <a:t>6/20/2024</a:t>
+              <a:t>6/22/2024</a:t>
             </a:fld>
             <a:endParaRPr lang="en-US"/>
           </a:p>
@@ -19448,7 +19587,7 @@
           <a:p>
             <a:fld id="{58E450A9-F999-4FFE-9C0D-17DC9418E6C5}" type="datetimeFigureOut">
               <a:rPr lang="en-US" smtClean="0"/>
-              <a:t>6/20/2024</a:t>
+              <a:t>6/22/2024</a:t>
             </a:fld>
             <a:endParaRPr lang="en-US"/>
           </a:p>
@@ -19689,7 +19828,7 @@
           <a:p>
             <a:fld id="{58E450A9-F999-4FFE-9C0D-17DC9418E6C5}" type="datetimeFigureOut">
               <a:rPr lang="en-US" smtClean="0"/>
-              <a:t>6/20/2024</a:t>
+              <a:t>6/22/2024</a:t>
             </a:fld>
             <a:endParaRPr lang="en-US"/>
           </a:p>
@@ -22444,6 +22583,524 @@
       </p:grpSpPr>
       <p:sp useBgFill="1">
         <p:nvSpPr>
+          <p:cNvPr id="27" name="Rectangle 18">
+            <a:extLst>
+              <a:ext uri="{FF2B5EF4-FFF2-40B4-BE49-F238E27FC236}">
+                <a16:creationId xmlns:a16="http://schemas.microsoft.com/office/drawing/2014/main" id="{337940BB-FBC4-492E-BD92-3B7B914D0EAE}"/>
+              </a:ext>
+              <a:ext uri="{C183D7F6-B498-43B3-948B-1728B52AA6E4}">
+                <adec:decorative xmlns:adec="http://schemas.microsoft.com/office/drawing/2017/decorative" val="1"/>
+              </a:ext>
+            </a:extLst>
+          </p:cNvPr>
+          <p:cNvSpPr>
+            <a:spLocks noGrp="1" noRot="1" noChangeAspect="1" noMove="1" noResize="1" noEditPoints="1" noAdjustHandles="1" noChangeArrowheads="1" noChangeShapeType="1" noTextEdit="1"/>
+          </p:cNvSpPr>
+          <p:nvPr>
+            <p:extLst>
+              <p:ext uri="{386F3935-93C4-4BCD-93E2-E3B085C9AB24}">
+                <p16:designElem xmlns:p16="http://schemas.microsoft.com/office/powerpoint/2015/main" val="1"/>
+              </p:ext>
+            </p:extLst>
+          </p:nvPr>
+        </p:nvSpPr>
+        <p:spPr>
+          <a:xfrm>
+            <a:off x="0" y="0"/>
+            <a:ext cx="12192000" cy="6858000"/>
+          </a:xfrm>
+          <a:prstGeom prst="rect">
+            <a:avLst/>
+          </a:prstGeom>
+          <a:ln>
+            <a:noFill/>
+          </a:ln>
+        </p:spPr>
+        <p:style>
+          <a:lnRef idx="2">
+            <a:schemeClr val="accent1">
+              <a:shade val="50000"/>
+            </a:schemeClr>
+          </a:lnRef>
+          <a:fillRef idx="1">
+            <a:schemeClr val="accent1"/>
+          </a:fillRef>
+          <a:effectRef idx="0">
+            <a:schemeClr val="accent1"/>
+          </a:effectRef>
+          <a:fontRef idx="minor">
+            <a:schemeClr val="lt1"/>
+          </a:fontRef>
+        </p:style>
+        <p:txBody>
+          <a:bodyPr rtlCol="0" anchor="ctr"/>
+          <a:lstStyle/>
+          <a:p>
+            <a:pPr algn="ctr"/>
+            <a:endParaRPr lang="en-US"/>
+          </a:p>
+        </p:txBody>
+      </p:sp>
+      <p:sp>
+        <p:nvSpPr>
+          <p:cNvPr id="2" name="Title 1">
+            <a:extLst>
+              <a:ext uri="{FF2B5EF4-FFF2-40B4-BE49-F238E27FC236}">
+                <a16:creationId xmlns:a16="http://schemas.microsoft.com/office/drawing/2014/main" id="{6994AC9E-C150-E5B7-7157-DEB8AA24714B}"/>
+              </a:ext>
+            </a:extLst>
+          </p:cNvPr>
+          <p:cNvSpPr>
+            <a:spLocks noGrp="1"/>
+          </p:cNvSpPr>
+          <p:nvPr>
+            <p:ph type="title"/>
+          </p:nvPr>
+        </p:nvSpPr>
+        <p:spPr>
+          <a:xfrm>
+            <a:off x="4853988" y="320041"/>
+            <a:ext cx="6707084" cy="3892668"/>
+          </a:xfrm>
+        </p:spPr>
+        <p:txBody>
+          <a:bodyPr vert="horz" lIns="91440" tIns="45720" rIns="91440" bIns="45720" rtlCol="0" anchor="b">
+            <a:normAutofit/>
+          </a:bodyPr>
+          <a:lstStyle/>
+          <a:p>
+            <a:r>
+              <a:rPr lang="en-US" sz="6600" kern="1200">
+                <a:solidFill>
+                  <a:schemeClr val="tx1"/>
+                </a:solidFill>
+                <a:latin typeface="+mj-lt"/>
+                <a:ea typeface="+mj-ea"/>
+                <a:cs typeface="+mj-cs"/>
+              </a:rPr>
+              <a:t>Visualization</a:t>
+            </a:r>
+          </a:p>
+        </p:txBody>
+      </p:sp>
+      <p:pic>
+        <p:nvPicPr>
+          <p:cNvPr id="5" name="Content Placeholder 4" descr="A diagram of a diagram&#10;&#10;Description automatically generated">
+            <a:extLst>
+              <a:ext uri="{FF2B5EF4-FFF2-40B4-BE49-F238E27FC236}">
+                <a16:creationId xmlns:a16="http://schemas.microsoft.com/office/drawing/2014/main" id="{5185A470-B59D-E401-F5D5-AF69585614E8}"/>
+              </a:ext>
+            </a:extLst>
+          </p:cNvPr>
+          <p:cNvPicPr>
+            <a:picLocks noChangeAspect="1"/>
+          </p:cNvPicPr>
+          <p:nvPr/>
+        </p:nvPicPr>
+        <p:blipFill rotWithShape="1">
+          <a:blip r:embed="rId2">
+            <a:extLst>
+              <a:ext uri="{28A0092B-C50C-407E-A947-70E740481C1C}">
+                <a14:useLocalDpi xmlns:a14="http://schemas.microsoft.com/office/drawing/2010/main" val="0"/>
+              </a:ext>
+            </a:extLst>
+          </a:blip>
+          <a:srcRect t="6098" r="-2" b="4076"/>
+          <a:stretch/>
+        </p:blipFill>
+        <p:spPr>
+          <a:xfrm>
+            <a:off x="360440" y="320040"/>
+            <a:ext cx="4006567" cy="5899785"/>
+          </a:xfrm>
+          <a:prstGeom prst="rect">
+            <a:avLst/>
+          </a:prstGeom>
+        </p:spPr>
+      </p:pic>
+      <p:sp>
+        <p:nvSpPr>
+          <p:cNvPr id="28" name="sketch line">
+            <a:extLst>
+              <a:ext uri="{FF2B5EF4-FFF2-40B4-BE49-F238E27FC236}">
+                <a16:creationId xmlns:a16="http://schemas.microsoft.com/office/drawing/2014/main" id="{3FCFB1DE-0B7E-48CC-BA90-B2AB0889F9D6}"/>
+              </a:ext>
+              <a:ext uri="{C183D7F6-B498-43B3-948B-1728B52AA6E4}">
+                <adec:decorative xmlns:adec="http://schemas.microsoft.com/office/drawing/2017/decorative" val="1"/>
+              </a:ext>
+            </a:extLst>
+          </p:cNvPr>
+          <p:cNvSpPr>
+            <a:spLocks noGrp="1" noRot="1" noChangeAspect="1" noMove="1" noResize="1" noEditPoints="1" noAdjustHandles="1" noChangeArrowheads="1" noChangeShapeType="1" noTextEdit="1"/>
+          </p:cNvSpPr>
+          <p:nvPr>
+            <p:extLst>
+              <p:ext uri="{386F3935-93C4-4BCD-93E2-E3B085C9AB24}">
+                <p16:designElem xmlns:p16="http://schemas.microsoft.com/office/powerpoint/2015/main" val="1"/>
+              </p:ext>
+            </p:extLst>
+          </p:nvPr>
+        </p:nvSpPr>
+        <p:spPr>
+          <a:xfrm>
+            <a:off x="4853987" y="4409267"/>
+            <a:ext cx="4243589" cy="27432"/>
+          </a:xfrm>
+          <a:custGeom>
+            <a:avLst/>
+            <a:gdLst>
+              <a:gd name="connsiteX0" fmla="*/ 0 w 4243589"/>
+              <a:gd name="connsiteY0" fmla="*/ 0 h 27432"/>
+              <a:gd name="connsiteX1" fmla="*/ 563791 w 4243589"/>
+              <a:gd name="connsiteY1" fmla="*/ 0 h 27432"/>
+              <a:gd name="connsiteX2" fmla="*/ 1042710 w 4243589"/>
+              <a:gd name="connsiteY2" fmla="*/ 0 h 27432"/>
+              <a:gd name="connsiteX3" fmla="*/ 1564066 w 4243589"/>
+              <a:gd name="connsiteY3" fmla="*/ 0 h 27432"/>
+              <a:gd name="connsiteX4" fmla="*/ 2212729 w 4243589"/>
+              <a:gd name="connsiteY4" fmla="*/ 0 h 27432"/>
+              <a:gd name="connsiteX5" fmla="*/ 2776520 w 4243589"/>
+              <a:gd name="connsiteY5" fmla="*/ 0 h 27432"/>
+              <a:gd name="connsiteX6" fmla="*/ 3297875 w 4243589"/>
+              <a:gd name="connsiteY6" fmla="*/ 0 h 27432"/>
+              <a:gd name="connsiteX7" fmla="*/ 4243589 w 4243589"/>
+              <a:gd name="connsiteY7" fmla="*/ 0 h 27432"/>
+              <a:gd name="connsiteX8" fmla="*/ 4243589 w 4243589"/>
+              <a:gd name="connsiteY8" fmla="*/ 27432 h 27432"/>
+              <a:gd name="connsiteX9" fmla="*/ 3637362 w 4243589"/>
+              <a:gd name="connsiteY9" fmla="*/ 27432 h 27432"/>
+              <a:gd name="connsiteX10" fmla="*/ 3116007 w 4243589"/>
+              <a:gd name="connsiteY10" fmla="*/ 27432 h 27432"/>
+              <a:gd name="connsiteX11" fmla="*/ 2424908 w 4243589"/>
+              <a:gd name="connsiteY11" fmla="*/ 27432 h 27432"/>
+              <a:gd name="connsiteX12" fmla="*/ 1861117 w 4243589"/>
+              <a:gd name="connsiteY12" fmla="*/ 27432 h 27432"/>
+              <a:gd name="connsiteX13" fmla="*/ 1382198 w 4243589"/>
+              <a:gd name="connsiteY13" fmla="*/ 27432 h 27432"/>
+              <a:gd name="connsiteX14" fmla="*/ 733535 w 4243589"/>
+              <a:gd name="connsiteY14" fmla="*/ 27432 h 27432"/>
+              <a:gd name="connsiteX15" fmla="*/ 0 w 4243589"/>
+              <a:gd name="connsiteY15" fmla="*/ 27432 h 27432"/>
+              <a:gd name="connsiteX16" fmla="*/ 0 w 4243589"/>
+              <a:gd name="connsiteY16" fmla="*/ 0 h 27432"/>
+            </a:gdLst>
+            <a:ahLst/>
+            <a:cxnLst>
+              <a:cxn ang="0">
+                <a:pos x="connsiteX0" y="connsiteY0"/>
+              </a:cxn>
+              <a:cxn ang="0">
+                <a:pos x="connsiteX1" y="connsiteY1"/>
+              </a:cxn>
+              <a:cxn ang="0">
+                <a:pos x="connsiteX2" y="connsiteY2"/>
+              </a:cxn>
+              <a:cxn ang="0">
+                <a:pos x="connsiteX3" y="connsiteY3"/>
+              </a:cxn>
+              <a:cxn ang="0">
+                <a:pos x="connsiteX4" y="connsiteY4"/>
+              </a:cxn>
+              <a:cxn ang="0">
+                <a:pos x="connsiteX5" y="connsiteY5"/>
+              </a:cxn>
+              <a:cxn ang="0">
+                <a:pos x="connsiteX6" y="connsiteY6"/>
+              </a:cxn>
+              <a:cxn ang="0">
+                <a:pos x="connsiteX7" y="connsiteY7"/>
+              </a:cxn>
+              <a:cxn ang="0">
+                <a:pos x="connsiteX8" y="connsiteY8"/>
+              </a:cxn>
+              <a:cxn ang="0">
+                <a:pos x="connsiteX9" y="connsiteY9"/>
+              </a:cxn>
+              <a:cxn ang="0">
+                <a:pos x="connsiteX10" y="connsiteY10"/>
+              </a:cxn>
+              <a:cxn ang="0">
+                <a:pos x="connsiteX11" y="connsiteY11"/>
+              </a:cxn>
+              <a:cxn ang="0">
+                <a:pos x="connsiteX12" y="connsiteY12"/>
+              </a:cxn>
+              <a:cxn ang="0">
+                <a:pos x="connsiteX13" y="connsiteY13"/>
+              </a:cxn>
+              <a:cxn ang="0">
+                <a:pos x="connsiteX14" y="connsiteY14"/>
+              </a:cxn>
+              <a:cxn ang="0">
+                <a:pos x="connsiteX15" y="connsiteY15"/>
+              </a:cxn>
+              <a:cxn ang="0">
+                <a:pos x="connsiteX16" y="connsiteY16"/>
+              </a:cxn>
+            </a:cxnLst>
+            <a:rect l="l" t="t" r="r" b="b"/>
+            <a:pathLst>
+              <a:path w="4243589" h="27432" fill="none" extrusionOk="0">
+                <a:moveTo>
+                  <a:pt x="0" y="0"/>
+                </a:moveTo>
+                <a:cubicBezTo>
+                  <a:pt x="157351" y="-15653"/>
+                  <a:pt x="378877" y="-5828"/>
+                  <a:pt x="563791" y="0"/>
+                </a:cubicBezTo>
+                <a:cubicBezTo>
+                  <a:pt x="748705" y="5828"/>
+                  <a:pt x="905659" y="-5525"/>
+                  <a:pt x="1042710" y="0"/>
+                </a:cubicBezTo>
+                <a:cubicBezTo>
+                  <a:pt x="1179761" y="5525"/>
+                  <a:pt x="1356845" y="-21288"/>
+                  <a:pt x="1564066" y="0"/>
+                </a:cubicBezTo>
+                <a:cubicBezTo>
+                  <a:pt x="1771287" y="21288"/>
+                  <a:pt x="1912099" y="25135"/>
+                  <a:pt x="2212729" y="0"/>
+                </a:cubicBezTo>
+                <a:cubicBezTo>
+                  <a:pt x="2513359" y="-25135"/>
+                  <a:pt x="2514918" y="-27119"/>
+                  <a:pt x="2776520" y="0"/>
+                </a:cubicBezTo>
+                <a:cubicBezTo>
+                  <a:pt x="3038122" y="27119"/>
+                  <a:pt x="3178771" y="18116"/>
+                  <a:pt x="3297875" y="0"/>
+                </a:cubicBezTo>
+                <a:cubicBezTo>
+                  <a:pt x="3416980" y="-18116"/>
+                  <a:pt x="4012240" y="-40869"/>
+                  <a:pt x="4243589" y="0"/>
+                </a:cubicBezTo>
+                <a:cubicBezTo>
+                  <a:pt x="4242616" y="8304"/>
+                  <a:pt x="4243111" y="21512"/>
+                  <a:pt x="4243589" y="27432"/>
+                </a:cubicBezTo>
+                <a:cubicBezTo>
+                  <a:pt x="4112949" y="6289"/>
+                  <a:pt x="3928037" y="10975"/>
+                  <a:pt x="3637362" y="27432"/>
+                </a:cubicBezTo>
+                <a:cubicBezTo>
+                  <a:pt x="3346687" y="43889"/>
+                  <a:pt x="3254446" y="35813"/>
+                  <a:pt x="3116007" y="27432"/>
+                </a:cubicBezTo>
+                <a:cubicBezTo>
+                  <a:pt x="2977569" y="19051"/>
+                  <a:pt x="2620228" y="38017"/>
+                  <a:pt x="2424908" y="27432"/>
+                </a:cubicBezTo>
+                <a:cubicBezTo>
+                  <a:pt x="2229588" y="16847"/>
+                  <a:pt x="2088287" y="5290"/>
+                  <a:pt x="1861117" y="27432"/>
+                </a:cubicBezTo>
+                <a:cubicBezTo>
+                  <a:pt x="1633947" y="49574"/>
+                  <a:pt x="1502447" y="8273"/>
+                  <a:pt x="1382198" y="27432"/>
+                </a:cubicBezTo>
+                <a:cubicBezTo>
+                  <a:pt x="1261949" y="46591"/>
+                  <a:pt x="1045440" y="37497"/>
+                  <a:pt x="733535" y="27432"/>
+                </a:cubicBezTo>
+                <a:cubicBezTo>
+                  <a:pt x="421630" y="17367"/>
+                  <a:pt x="341257" y="-9215"/>
+                  <a:pt x="0" y="27432"/>
+                </a:cubicBezTo>
+                <a:cubicBezTo>
+                  <a:pt x="-1048" y="14992"/>
+                  <a:pt x="-1120" y="7447"/>
+                  <a:pt x="0" y="0"/>
+                </a:cubicBezTo>
+                <a:close/>
+              </a:path>
+              <a:path w="4243589" h="27432" stroke="0" extrusionOk="0">
+                <a:moveTo>
+                  <a:pt x="0" y="0"/>
+                </a:moveTo>
+                <a:cubicBezTo>
+                  <a:pt x="128164" y="17204"/>
+                  <a:pt x="312653" y="1129"/>
+                  <a:pt x="563791" y="0"/>
+                </a:cubicBezTo>
+                <a:cubicBezTo>
+                  <a:pt x="814929" y="-1129"/>
+                  <a:pt x="837271" y="8503"/>
+                  <a:pt x="1042710" y="0"/>
+                </a:cubicBezTo>
+                <a:cubicBezTo>
+                  <a:pt x="1248149" y="-8503"/>
+                  <a:pt x="1588432" y="-28862"/>
+                  <a:pt x="1733809" y="0"/>
+                </a:cubicBezTo>
+                <a:cubicBezTo>
+                  <a:pt x="1879186" y="28862"/>
+                  <a:pt x="2052815" y="5974"/>
+                  <a:pt x="2297600" y="0"/>
+                </a:cubicBezTo>
+                <a:cubicBezTo>
+                  <a:pt x="2542385" y="-5974"/>
+                  <a:pt x="2699960" y="-23550"/>
+                  <a:pt x="2861391" y="0"/>
+                </a:cubicBezTo>
+                <a:cubicBezTo>
+                  <a:pt x="3022822" y="23550"/>
+                  <a:pt x="3390411" y="25272"/>
+                  <a:pt x="3552490" y="0"/>
+                </a:cubicBezTo>
+                <a:cubicBezTo>
+                  <a:pt x="3714569" y="-25272"/>
+                  <a:pt x="3950585" y="-31327"/>
+                  <a:pt x="4243589" y="0"/>
+                </a:cubicBezTo>
+                <a:cubicBezTo>
+                  <a:pt x="4244074" y="9333"/>
+                  <a:pt x="4244867" y="19699"/>
+                  <a:pt x="4243589" y="27432"/>
+                </a:cubicBezTo>
+                <a:cubicBezTo>
+                  <a:pt x="4130424" y="7904"/>
+                  <a:pt x="3932803" y="51393"/>
+                  <a:pt x="3722234" y="27432"/>
+                </a:cubicBezTo>
+                <a:cubicBezTo>
+                  <a:pt x="3511665" y="3471"/>
+                  <a:pt x="3269903" y="55138"/>
+                  <a:pt x="3116007" y="27432"/>
+                </a:cubicBezTo>
+                <a:cubicBezTo>
+                  <a:pt x="2962111" y="-274"/>
+                  <a:pt x="2744280" y="32368"/>
+                  <a:pt x="2509780" y="27432"/>
+                </a:cubicBezTo>
+                <a:cubicBezTo>
+                  <a:pt x="2275280" y="22496"/>
+                  <a:pt x="2066059" y="52808"/>
+                  <a:pt x="1945989" y="27432"/>
+                </a:cubicBezTo>
+                <a:cubicBezTo>
+                  <a:pt x="1825919" y="2056"/>
+                  <a:pt x="1407329" y="21760"/>
+                  <a:pt x="1254890" y="27432"/>
+                </a:cubicBezTo>
+                <a:cubicBezTo>
+                  <a:pt x="1102451" y="33104"/>
+                  <a:pt x="837950" y="40817"/>
+                  <a:pt x="563791" y="27432"/>
+                </a:cubicBezTo>
+                <a:cubicBezTo>
+                  <a:pt x="289632" y="14047"/>
+                  <a:pt x="132768" y="16249"/>
+                  <a:pt x="0" y="27432"/>
+                </a:cubicBezTo>
+                <a:cubicBezTo>
+                  <a:pt x="211" y="18145"/>
+                  <a:pt x="120" y="6480"/>
+                  <a:pt x="0" y="0"/>
+                </a:cubicBezTo>
+                <a:close/>
+              </a:path>
+            </a:pathLst>
+          </a:custGeom>
+          <a:solidFill>
+            <a:schemeClr val="accent2"/>
+          </a:solidFill>
+          <a:ln w="41275" cap="rnd">
+            <a:solidFill>
+              <a:schemeClr val="accent2"/>
+            </a:solidFill>
+            <a:round/>
+            <a:extLst>
+              <a:ext uri="{C807C97D-BFC1-408E-A445-0C87EB9F89A2}">
+                <ask:lineSketchStyleProps xmlns:ask="http://schemas.microsoft.com/office/drawing/2018/sketchyshapes" sd="1219033472">
+                  <a:prstGeom prst="rect">
+                    <a:avLst/>
+                  </a:prstGeom>
+                  <ask:type>
+                    <ask:lineSketchFreehand/>
+                  </ask:type>
+                </ask:lineSketchStyleProps>
+              </a:ext>
+            </a:extLst>
+          </a:ln>
+        </p:spPr>
+        <p:style>
+          <a:lnRef idx="2">
+            <a:schemeClr val="accent1">
+              <a:shade val="50000"/>
+            </a:schemeClr>
+          </a:lnRef>
+          <a:fillRef idx="1">
+            <a:schemeClr val="accent1"/>
+          </a:fillRef>
+          <a:effectRef idx="0">
+            <a:schemeClr val="accent1"/>
+          </a:effectRef>
+          <a:fontRef idx="minor">
+            <a:schemeClr val="lt1"/>
+          </a:fontRef>
+        </p:style>
+        <p:txBody>
+          <a:bodyPr rtlCol="0" anchor="ctr"/>
+          <a:lstStyle/>
+          <a:p>
+            <a:pPr algn="ctr"/>
+            <a:endParaRPr lang="en-US"/>
+          </a:p>
+        </p:txBody>
+      </p:sp>
+    </p:spTree>
+    <p:extLst>
+      <p:ext uri="{BB962C8B-B14F-4D97-AF65-F5344CB8AC3E}">
+        <p14:creationId xmlns:p14="http://schemas.microsoft.com/office/powerpoint/2010/main" val="2289204378"/>
+      </p:ext>
+    </p:extLst>
+  </p:cSld>
+  <p:clrMapOvr>
+    <a:masterClrMapping/>
+  </p:clrMapOvr>
+</p:sld>
+</file>
+
+<file path=ppt/slides/slide8.xml><?xml version="1.0" encoding="utf-8"?>
+<p:sld xmlns:a="http://schemas.openxmlformats.org/drawingml/2006/main" xmlns:r="http://schemas.openxmlformats.org/officeDocument/2006/relationships" xmlns:p="http://schemas.openxmlformats.org/presentationml/2006/main">
+  <p:cSld>
+    <p:bg>
+      <p:bgPr>
+        <a:solidFill>
+          <a:schemeClr val="bg1"/>
+        </a:solidFill>
+        <a:effectLst/>
+      </p:bgPr>
+    </p:bg>
+    <p:spTree>
+      <p:nvGrpSpPr>
+        <p:cNvPr id="1" name=""/>
+        <p:cNvGrpSpPr/>
+        <p:nvPr/>
+      </p:nvGrpSpPr>
+      <p:grpSpPr>
+        <a:xfrm>
+          <a:off x="0" y="0"/>
+          <a:ext cx="0" cy="0"/>
+          <a:chOff x="0" y="0"/>
+          <a:chExt cx="0" cy="0"/>
+        </a:xfrm>
+      </p:grpSpPr>
+      <p:sp useBgFill="1">
+        <p:nvSpPr>
           <p:cNvPr id="10" name="Rectangle 9">
             <a:extLst>
               <a:ext uri="{FF2B5EF4-FFF2-40B4-BE49-F238E27FC236}">
